--- a/Final Presentation/Auto_Insurance_Enterprise_Presentation_FINAL.pptx
+++ b/Final Presentation/Auto_Insurance_Enterprise_Presentation_FINAL.pptx
@@ -143,6 +143,7 @@
     <p1510:client id="{71449CD3-8642-4A3A-B5DA-4CE53623A903}" v="10" dt="2021-02-18T14:18:51.033"/>
     <p1510:client id="{80E6AA5E-A7CE-4520-ADB4-E86E378EC129}" v="40" dt="2021-02-17T23:44:12.057"/>
     <p1510:client id="{A12202C7-75C3-4745-8096-462FDF2CDCDA}" v="27" dt="2021-02-18T02:12:29.401"/>
+    <p1510:client id="{A2F2441B-937B-44AD-A895-85B5EAB2B729}" v="1" dt="2021-02-18T16:40:39.287"/>
     <p1510:client id="{BC460A64-F25B-4277-AB1D-162001F47FC8}" v="10" dt="2021-02-18T14:39:34.427"/>
     <p1510:client id="{C1469D7E-063E-4CF2-8627-D2E6A63338F3}" v="93" dt="2021-02-18T04:13:30.419"/>
     <p1510:client id="{CA2D9A53-F99A-4F78-BA7D-A1CC06CE2928}" v="898" dt="2021-02-18T13:55:37.434"/>
@@ -151,6 +152,35 @@
     <p1510:client id="{EA969186-1CCC-4437-BF63-D075749AEC1E}" v="9" dt="2021-02-18T04:29:06.029"/>
   </p1510:revLst>
 </p1510:revInfo>
+</file>
+
+<file path=ppt/changesInfos/changesInfo1.xml><?xml version="1.0" encoding="utf-8"?>
+<pc:chgInfo xmlns:a="http://schemas.openxmlformats.org/drawingml/2006/main" xmlns:r="http://schemas.openxmlformats.org/officeDocument/2006/relationships" xmlns:ac="http://schemas.microsoft.com/office/drawing/2013/main/command" xmlns:pc="http://schemas.microsoft.com/office/powerpoint/2013/main/command">
+  <pc:docChgLst>
+    <pc:chgData name="Pascal Nguyen Tang" userId="3a04e88f0af0b0fb" providerId="LiveId" clId="{A2F2441B-937B-44AD-A895-85B5EAB2B729}"/>
+    <pc:docChg chg="custSel modSld">
+      <pc:chgData name="Pascal Nguyen Tang" userId="3a04e88f0af0b0fb" providerId="LiveId" clId="{A2F2441B-937B-44AD-A895-85B5EAB2B729}" dt="2021-02-18T16:41:20.160" v="2" actId="478"/>
+      <pc:docMkLst>
+        <pc:docMk/>
+      </pc:docMkLst>
+      <pc:sldChg chg="addSp delSp modSp mod delAnim">
+        <pc:chgData name="Pascal Nguyen Tang" userId="3a04e88f0af0b0fb" providerId="LiveId" clId="{A2F2441B-937B-44AD-A895-85B5EAB2B729}" dt="2021-02-18T16:41:20.160" v="2" actId="478"/>
+        <pc:sldMkLst>
+          <pc:docMk/>
+          <pc:sldMk cId="1487700712" sldId="256"/>
+        </pc:sldMkLst>
+        <pc:picChg chg="add del mod">
+          <ac:chgData name="Pascal Nguyen Tang" userId="3a04e88f0af0b0fb" providerId="LiveId" clId="{A2F2441B-937B-44AD-A895-85B5EAB2B729}" dt="2021-02-18T16:41:20.160" v="2" actId="478"/>
+          <ac:picMkLst>
+            <pc:docMk/>
+            <pc:sldMk cId="1487700712" sldId="256"/>
+            <ac:picMk id="4" creationId="{A5D76AAF-5ADB-41B5-B5B3-2BDEA63ECBDB}"/>
+          </ac:picMkLst>
+        </pc:picChg>
+      </pc:sldChg>
+    </pc:docChg>
+  </pc:docChgLst>
+</pc:chgInfo>
 </file>
 
 <file path=ppt/handoutMasters/handoutMaster1.xml><?xml version="1.0" encoding="utf-8"?>
@@ -6362,6 +6392,14 @@
   <p:clrMapOvr>
     <a:masterClrMapping/>
   </p:clrMapOvr>
+  <mc:AlternateContent xmlns:mc="http://schemas.openxmlformats.org/markup-compatibility/2006">
+    <mc:Choice xmlns:p14="http://schemas.microsoft.com/office/powerpoint/2010/main" Requires="p14">
+      <p:transition spd="slow" p14:dur="2000" advTm="6876"/>
+    </mc:Choice>
+    <mc:Fallback>
+      <p:transition spd="slow" advTm="6876"/>
+    </mc:Fallback>
+  </mc:AlternateContent>
 </p:sld>
 </file>
 
@@ -11395,15 +11433,6 @@
 </file>
 
 <file path=customXml/item2.xml><?xml version="1.0" encoding="utf-8"?>
-<?mso-contentType ?>
-<FormTemplates xmlns="http://schemas.microsoft.com/sharepoint/v3/contenttype/forms">
-  <Display>DocumentLibraryForm</Display>
-  <Edit>DocumentLibraryForm</Edit>
-  <New>DocumentLibraryForm</New>
-</FormTemplates>
-</file>
-
-<file path=customXml/item3.xml><?xml version="1.0" encoding="utf-8"?>
 <ct:contentTypeSchema xmlns:ct="http://schemas.microsoft.com/office/2006/metadata/contentType" xmlns:ma="http://schemas.microsoft.com/office/2006/metadata/properties/metaAttributes" ct:_="" ma:_="" ma:contentTypeName="Document" ma:contentTypeID="0x010100E9F9C3A86EE8D34AB69CDAC38B2DEDCA" ma:contentTypeVersion="8" ma:contentTypeDescription="Create a new document." ma:contentTypeScope="" ma:versionID="6633258d3fa7e9ab22e119b94c79f4c8">
   <xsd:schema xmlns:xsd="http://www.w3.org/2001/XMLSchema" xmlns:xs="http://www.w3.org/2001/XMLSchema" xmlns:p="http://schemas.microsoft.com/office/2006/metadata/properties" xmlns:ns2="89402dae-96c6-4291-81c9-b67b34baa7d6" targetNamespace="http://schemas.microsoft.com/office/2006/metadata/properties" ma:root="true" ma:fieldsID="14a703957df9649eab478733d481a546" ns2:_="">
     <xsd:import namespace="89402dae-96c6-4291-81c9-b67b34baa7d6"/>
@@ -11575,6 +11604,15 @@
 </ct:contentTypeSchema>
 </file>
 
+<file path=customXml/item3.xml><?xml version="1.0" encoding="utf-8"?>
+<?mso-contentType ?>
+<FormTemplates xmlns="http://schemas.microsoft.com/sharepoint/v3/contenttype/forms">
+  <Display>DocumentLibraryForm</Display>
+  <Edit>DocumentLibraryForm</Edit>
+  <New>DocumentLibraryForm</New>
+</FormTemplates>
+</file>
+
 <file path=customXml/itemProps1.xml><?xml version="1.0" encoding="utf-8"?>
 <ds:datastoreItem xmlns:ds="http://schemas.openxmlformats.org/officeDocument/2006/customXml" ds:itemID="{55B48092-4A2C-4E16-B971-9ACADFFF69E4}">
   <ds:schemaRefs>
@@ -11592,14 +11630,6 @@
 </file>
 
 <file path=customXml/itemProps2.xml><?xml version="1.0" encoding="utf-8"?>
-<ds:datastoreItem xmlns:ds="http://schemas.openxmlformats.org/officeDocument/2006/customXml" ds:itemID="{3E586370-B0FB-4108-8B4F-329716A22E3A}">
-  <ds:schemaRefs>
-    <ds:schemaRef ds:uri="http://schemas.microsoft.com/sharepoint/v3/contenttype/forms"/>
-  </ds:schemaRefs>
-</ds:datastoreItem>
-</file>
-
-<file path=customXml/itemProps3.xml><?xml version="1.0" encoding="utf-8"?>
 <ds:datastoreItem xmlns:ds="http://schemas.openxmlformats.org/officeDocument/2006/customXml" ds:itemID="{8F3D7E7B-B299-4CAA-9EF0-68A11C12564E}">
   <ds:schemaRefs>
     <ds:schemaRef ds:uri="89402dae-96c6-4291-81c9-b67b34baa7d6"/>
@@ -11615,4 +11645,12 @@
     <ds:schemaRef ds:uri="http://www.w3.org/2001/XMLSchema"/>
   </ds:schemaRefs>
 </ds:datastoreItem>
+</file>
+
+<file path=customXml/itemProps3.xml><?xml version="1.0" encoding="utf-8"?>
+<ds:datastoreItem xmlns:ds="http://schemas.openxmlformats.org/officeDocument/2006/customXml" ds:itemID="{3E586370-B0FB-4108-8B4F-329716A22E3A}">
+  <ds:schemaRefs>
+    <ds:schemaRef ds:uri="http://schemas.microsoft.com/sharepoint/v3/contenttype/forms"/>
+  </ds:schemaRefs>
+</ds:datastoreItem>
 </file>